--- a/Slides/T3 - Path Planning.pptx
+++ b/Slides/T3 - Path Planning.pptx
@@ -5,22 +5,23 @@
     <p:sldMasterId id="2147483662" r:id="rId9"/>
   </p:sldMasterIdLst>
   <p:notesMasterIdLst>
-    <p:notesMasterId r:id="rId15"/>
+    <p:notesMasterId r:id="rId16"/>
   </p:notesMasterIdLst>
   <p:handoutMasterIdLst>
-    <p:handoutMasterId r:id="rId16"/>
+    <p:handoutMasterId r:id="rId17"/>
   </p:handoutMasterIdLst>
   <p:sldIdLst>
     <p:sldId id="260" r:id="rId10"/>
     <p:sldId id="261" r:id="rId11"/>
     <p:sldId id="264" r:id="rId12"/>
     <p:sldId id="265" r:id="rId13"/>
-    <p:sldId id="266" r:id="rId14"/>
+    <p:sldId id="267" r:id="rId14"/>
+    <p:sldId id="266" r:id="rId15"/>
   </p:sldIdLst>
   <p:sldSz cx="12190413" cy="6858000"/>
   <p:notesSz cx="6858000" cy="9144000"/>
   <p:custDataLst>
-    <p:tags r:id="rId17"/>
+    <p:tags r:id="rId18"/>
   </p:custDataLst>
   <p:defaultTextStyle>
     <a:defPPr>
@@ -9700,7 +9701,7 @@
           <a:p>
             <a:r>
               <a:rPr lang="en-US" dirty="0"/>
-              <a:t>Exercise 3 – Implementation in </a:t>
+              <a:t>Exercise 3 – Implementation using </a:t>
             </a:r>
             <a:r>
               <a:rPr lang="en-US" dirty="0" err="1"/>
@@ -9736,21 +9737,44 @@
           <a:p>
             <a:r>
               <a:rPr lang="en-US" dirty="0"/>
-              <a:t>Update your Docker</a:t>
+              <a:t>Exercise 3.1: Running the path planning simulation</a:t>
             </a:r>
           </a:p>
           <a:p>
             <a:pPr lvl="1"/>
             <a:r>
               <a:rPr lang="en-US" dirty="0"/>
-              <a:t>Note: If you familiar with ROS, you can use any environment rather than our Docker and clone this repository:</a:t>
+              <a:t>For installing the package and run the docker, visit:</a:t>
+            </a:r>
+          </a:p>
+          <a:p>
+            <a:pPr lvl="2"/>
+            <a:r>
+              <a:rPr lang="en-US" dirty="0">
+                <a:solidFill>
+                  <a:srgbClr val="FF0000"/>
+                </a:solidFill>
+              </a:rPr>
+              <a:t>https://github.com/yaqub93/bluerov_path_planning.git </a:t>
+            </a:r>
+            <a:endParaRPr lang="en-US" dirty="0"/>
+          </a:p>
+          <a:p>
+            <a:pPr lvl="2"/>
+            <a:r>
+              <a:rPr lang="en-US" dirty="0"/>
+              <a:t>Note: If you are familiar with ROS, using Docker is not mandatory</a:t>
             </a:r>
           </a:p>
           <a:p>
             <a:pPr lvl="1"/>
-            <a:endParaRPr lang="en-US" dirty="0"/>
-          </a:p>
-          <a:p>
+            <a:r>
+              <a:rPr lang="en-US" dirty="0"/>
+              <a:t>How to run the simulation:</a:t>
+            </a:r>
+          </a:p>
+          <a:p>
+            <a:pPr lvl="2"/>
             <a:r>
               <a:rPr lang="en-US" dirty="0"/>
               <a:t>Run the </a:t>
@@ -9765,37 +9789,146 @@
             </a:r>
           </a:p>
           <a:p>
-            <a:pPr lvl="1"/>
-            <a:r>
-              <a:rPr lang="en-US" dirty="0" err="1"/>
+            <a:pPr lvl="3"/>
+            <a:r>
+              <a:rPr lang="en-US" dirty="0" err="1">
+                <a:solidFill>
+                  <a:srgbClr val="FF0000"/>
+                </a:solidFill>
+              </a:rPr>
               <a:t>roslaunch</a:t>
             </a:r>
             <a:r>
-              <a:rPr lang="en-US"/>
+              <a:rPr lang="en-US" dirty="0">
+                <a:solidFill>
+                  <a:srgbClr val="FF0000"/>
+                </a:solidFill>
+              </a:rPr>
+              <a:t> bluerov2_gazebo </a:t>
+            </a:r>
+            <a:r>
+              <a:rPr lang="en-US" dirty="0" err="1">
+                <a:solidFill>
+                  <a:srgbClr val="FF0000"/>
+                </a:solidFill>
+              </a:rPr>
+              <a:t>start_pid_demo_lake.launch</a:t>
+            </a:r>
+            <a:endParaRPr lang="en-US" dirty="0">
+              <a:solidFill>
+                <a:srgbClr val="FF0000"/>
+              </a:solidFill>
+            </a:endParaRPr>
+          </a:p>
+          <a:p>
+            <a:pPr lvl="2"/>
+            <a:r>
+              <a:rPr lang="en-US" dirty="0"/>
+              <a:t>Run the map publisher, path planner and path follower:</a:t>
+            </a:r>
+          </a:p>
+          <a:p>
+            <a:pPr lvl="3"/>
+            <a:r>
+              <a:rPr lang="en-US" dirty="0" err="1">
+                <a:solidFill>
+                  <a:srgbClr val="FF0000"/>
+                </a:solidFill>
+              </a:rPr>
+              <a:t>roslaunch</a:t>
+            </a:r>
+            <a:r>
+              <a:rPr lang="en-US" dirty="0">
+                <a:solidFill>
+                  <a:srgbClr val="FF0000"/>
+                </a:solidFill>
+              </a:rPr>
               <a:t> </a:t>
             </a:r>
-            <a:endParaRPr lang="en-US" dirty="0"/>
-          </a:p>
-          <a:p>
+            <a:r>
+              <a:rPr lang="en-US" dirty="0" err="1">
+                <a:solidFill>
+                  <a:srgbClr val="FF0000"/>
+                </a:solidFill>
+              </a:rPr>
+              <a:t>bluerov_path_planning</a:t>
+            </a:r>
+            <a:r>
+              <a:rPr lang="en-US" dirty="0">
+                <a:solidFill>
+                  <a:srgbClr val="FF0000"/>
+                </a:solidFill>
+              </a:rPr>
+              <a:t> </a:t>
+            </a:r>
+            <a:r>
+              <a:rPr lang="en-US" dirty="0" err="1">
+                <a:solidFill>
+                  <a:srgbClr val="FF0000"/>
+                </a:solidFill>
+              </a:rPr>
+              <a:t>run.launch</a:t>
+            </a:r>
+            <a:endParaRPr lang="en-US" dirty="0">
+              <a:solidFill>
+                <a:srgbClr val="FF0000"/>
+              </a:solidFill>
+            </a:endParaRPr>
+          </a:p>
+          <a:p>
+            <a:pPr lvl="2"/>
             <a:r>
               <a:rPr lang="en-US" dirty="0"/>
-              <a:t>Run the Map Publisher:</a:t>
-            </a:r>
-          </a:p>
-          <a:p>
-            <a:r>
-              <a:rPr lang="en-US" dirty="0"/>
-              <a:t>Run the Path Planning and Control:</a:t>
-            </a:r>
-          </a:p>
-          <a:p>
-            <a:endParaRPr lang="en-US" dirty="0"/>
-          </a:p>
-          <a:p>
-            <a:r>
-              <a:rPr lang="en-US" dirty="0"/>
-              <a:t>Add codes for measuring the time the robot navigates and calculate the path length in control.py</a:t>
-            </a:r>
+              <a:t>Publish the goal position:</a:t>
+            </a:r>
+          </a:p>
+          <a:p>
+            <a:pPr lvl="3"/>
+            <a:r>
+              <a:rPr lang="en-US" dirty="0" err="1">
+                <a:solidFill>
+                  <a:srgbClr val="FF0000"/>
+                </a:solidFill>
+              </a:rPr>
+              <a:t>roslaunch</a:t>
+            </a:r>
+            <a:r>
+              <a:rPr lang="en-US" dirty="0">
+                <a:solidFill>
+                  <a:srgbClr val="FF0000"/>
+                </a:solidFill>
+              </a:rPr>
+              <a:t> </a:t>
+            </a:r>
+            <a:r>
+              <a:rPr lang="en-US" dirty="0" err="1">
+                <a:solidFill>
+                  <a:srgbClr val="FF0000"/>
+                </a:solidFill>
+              </a:rPr>
+              <a:t>bluerov_path_planning</a:t>
+            </a:r>
+            <a:r>
+              <a:rPr lang="en-US" dirty="0">
+                <a:solidFill>
+                  <a:srgbClr val="FF0000"/>
+                </a:solidFill>
+              </a:rPr>
+              <a:t> </a:t>
+            </a:r>
+            <a:r>
+              <a:rPr lang="en-US" dirty="0" err="1">
+                <a:solidFill>
+                  <a:srgbClr val="FF0000"/>
+                </a:solidFill>
+              </a:rPr>
+              <a:t>publish_goal.launch</a:t>
+            </a:r>
+            <a:endParaRPr lang="en-US" dirty="0">
+              <a:solidFill>
+                <a:srgbClr val="FF0000"/>
+              </a:solidFill>
+            </a:endParaRPr>
           </a:p>
         </p:txBody>
       </p:sp>
@@ -9868,6 +10001,245 @@
 </file>
 
 <file path=ppt/slides/slide5.xml><?xml version="1.0" encoding="utf-8"?>
+<p:sld xmlns:a="http://schemas.openxmlformats.org/drawingml/2006/main" xmlns:r="http://schemas.openxmlformats.org/officeDocument/2006/relationships" xmlns:p="http://schemas.openxmlformats.org/presentationml/2006/main">
+  <p:cSld>
+    <p:spTree>
+      <p:nvGrpSpPr>
+        <p:cNvPr id="1" name="">
+          <a:extLst>
+            <a:ext uri="{FF2B5EF4-FFF2-40B4-BE49-F238E27FC236}">
+              <a16:creationId xmlns:a16="http://schemas.microsoft.com/office/drawing/2014/main" id="{5B04F45B-8605-BF5D-A7F4-10B7D41F72A7}"/>
+            </a:ext>
+          </a:extLst>
+        </p:cNvPr>
+        <p:cNvGrpSpPr/>
+        <p:nvPr/>
+      </p:nvGrpSpPr>
+      <p:grpSpPr>
+        <a:xfrm>
+          <a:off x="0" y="0"/>
+          <a:ext cx="0" cy="0"/>
+          <a:chOff x="0" y="0"/>
+          <a:chExt cx="0" cy="0"/>
+        </a:xfrm>
+      </p:grpSpPr>
+      <p:sp>
+        <p:nvSpPr>
+          <p:cNvPr id="2" name="Title 1">
+            <a:extLst>
+              <a:ext uri="{FF2B5EF4-FFF2-40B4-BE49-F238E27FC236}">
+                <a16:creationId xmlns:a16="http://schemas.microsoft.com/office/drawing/2014/main" id="{DDC03FC9-B80D-0FA3-CA23-124973F683B4}"/>
+              </a:ext>
+            </a:extLst>
+          </p:cNvPr>
+          <p:cNvSpPr>
+            <a:spLocks noGrp="1"/>
+          </p:cNvSpPr>
+          <p:nvPr>
+            <p:ph type="title"/>
+          </p:nvPr>
+        </p:nvSpPr>
+        <p:spPr/>
+        <p:txBody>
+          <a:bodyPr/>
+          <a:lstStyle/>
+          <a:p>
+            <a:r>
+              <a:rPr lang="en-US" dirty="0"/>
+              <a:t>Exercise 3 – Implementation using </a:t>
+            </a:r>
+            <a:r>
+              <a:rPr lang="en-US" dirty="0" err="1"/>
+              <a:t>BlueROV</a:t>
+            </a:r>
+            <a:r>
+              <a:rPr lang="en-US" dirty="0"/>
+              <a:t> Simulator</a:t>
+            </a:r>
+          </a:p>
+        </p:txBody>
+      </p:sp>
+      <p:sp>
+        <p:nvSpPr>
+          <p:cNvPr id="3" name="Content Placeholder 2">
+            <a:extLst>
+              <a:ext uri="{FF2B5EF4-FFF2-40B4-BE49-F238E27FC236}">
+                <a16:creationId xmlns:a16="http://schemas.microsoft.com/office/drawing/2014/main" id="{DCC49D74-3969-4BD1-A9F6-D4B3B034C962}"/>
+              </a:ext>
+            </a:extLst>
+          </p:cNvPr>
+          <p:cNvSpPr>
+            <a:spLocks noGrp="1"/>
+          </p:cNvSpPr>
+          <p:nvPr>
+            <p:ph idx="1"/>
+          </p:nvPr>
+        </p:nvSpPr>
+        <p:spPr/>
+        <p:txBody>
+          <a:bodyPr/>
+          <a:lstStyle/>
+          <a:p>
+            <a:r>
+              <a:rPr lang="en-US" dirty="0"/>
+              <a:t>Exercise 3.2: Add a new A* path planner ROS node:</a:t>
+            </a:r>
+          </a:p>
+          <a:p>
+            <a:pPr lvl="1"/>
+            <a:r>
+              <a:rPr lang="en-US" dirty="0"/>
+              <a:t>Duplicate </a:t>
+            </a:r>
+            <a:r>
+              <a:rPr lang="en-US" dirty="0">
+                <a:solidFill>
+                  <a:srgbClr val="FF0000"/>
+                </a:solidFill>
+              </a:rPr>
+              <a:t>dijkstra_planner.py </a:t>
+            </a:r>
+          </a:p>
+          <a:p>
+            <a:pPr lvl="1"/>
+            <a:r>
+              <a:rPr lang="en-US" dirty="0"/>
+              <a:t>Add heuristic function (See the code from the Exercise 1)</a:t>
+            </a:r>
+          </a:p>
+          <a:p>
+            <a:pPr lvl="2"/>
+            <a:r>
+              <a:rPr lang="en-US" dirty="0">
+                <a:solidFill>
+                  <a:srgbClr val="FF0000"/>
+                </a:solidFill>
+              </a:rPr>
+              <a:t>PathPlanning\Search_based_Planning\Search_2D\Astar.py</a:t>
+            </a:r>
+          </a:p>
+          <a:p>
+            <a:pPr lvl="1"/>
+            <a:r>
+              <a:rPr lang="en-US" dirty="0"/>
+              <a:t>Add a new or modify the ROS launch file to call your new ROS node: </a:t>
+            </a:r>
+            <a:r>
+              <a:rPr lang="en-US" dirty="0" err="1">
+                <a:solidFill>
+                  <a:srgbClr val="FF0000"/>
+                </a:solidFill>
+              </a:rPr>
+              <a:t>run.launch</a:t>
+            </a:r>
+            <a:endParaRPr lang="en-US" dirty="0">
+              <a:solidFill>
+                <a:srgbClr val="FF0000"/>
+              </a:solidFill>
+            </a:endParaRPr>
+          </a:p>
+          <a:p>
+            <a:pPr lvl="1"/>
+            <a:r>
+              <a:rPr lang="en-US" dirty="0"/>
+              <a:t>Update the </a:t>
+            </a:r>
+            <a:r>
+              <a:rPr lang="en-US" dirty="0">
+                <a:solidFill>
+                  <a:srgbClr val="FF0000"/>
+                </a:solidFill>
+              </a:rPr>
+              <a:t>CMakeLists.txt </a:t>
+            </a:r>
+            <a:r>
+              <a:rPr lang="en-US" dirty="0"/>
+              <a:t>(adding your new python file) and compile (</a:t>
+            </a:r>
+            <a:r>
+              <a:rPr lang="en-US" dirty="0" err="1">
+                <a:solidFill>
+                  <a:srgbClr val="FF0000"/>
+                </a:solidFill>
+              </a:rPr>
+              <a:t>catkin_make</a:t>
+            </a:r>
+            <a:r>
+              <a:rPr lang="en-US" dirty="0"/>
+              <a:t>)</a:t>
+            </a:r>
+          </a:p>
+        </p:txBody>
+      </p:sp>
+      <p:sp>
+        <p:nvSpPr>
+          <p:cNvPr id="4" name="Footer Placeholder 3">
+            <a:extLst>
+              <a:ext uri="{FF2B5EF4-FFF2-40B4-BE49-F238E27FC236}">
+                <a16:creationId xmlns:a16="http://schemas.microsoft.com/office/drawing/2014/main" id="{56B5BF61-A65C-37BB-7B35-9803BBA37C87}"/>
+              </a:ext>
+            </a:extLst>
+          </p:cNvPr>
+          <p:cNvSpPr>
+            <a:spLocks noGrp="1"/>
+          </p:cNvSpPr>
+          <p:nvPr>
+            <p:ph type="ftr" sz="quarter" idx="10"/>
+          </p:nvPr>
+        </p:nvSpPr>
+        <p:spPr/>
+        <p:txBody>
+          <a:bodyPr/>
+          <a:lstStyle/>
+          <a:p>
+            <a:endParaRPr lang="en-GB" dirty="0"/>
+          </a:p>
+        </p:txBody>
+      </p:sp>
+      <p:sp>
+        <p:nvSpPr>
+          <p:cNvPr id="5" name="Slide Number Placeholder 4">
+            <a:extLst>
+              <a:ext uri="{FF2B5EF4-FFF2-40B4-BE49-F238E27FC236}">
+                <a16:creationId xmlns:a16="http://schemas.microsoft.com/office/drawing/2014/main" id="{A9FE36D9-3681-4254-0B19-72D7A252F2F8}"/>
+              </a:ext>
+            </a:extLst>
+          </p:cNvPr>
+          <p:cNvSpPr>
+            <a:spLocks noGrp="1"/>
+          </p:cNvSpPr>
+          <p:nvPr>
+            <p:ph type="sldNum" sz="quarter" idx="11"/>
+          </p:nvPr>
+        </p:nvSpPr>
+        <p:spPr/>
+        <p:txBody>
+          <a:bodyPr/>
+          <a:lstStyle/>
+          <a:p>
+            <a:fld id="{103EA872-A674-449B-A120-B97244F8E91D}" type="slidenum">
+              <a:rPr lang="en-GB" smtClean="0"/>
+              <a:pPr/>
+              <a:t>5</a:t>
+            </a:fld>
+            <a:endParaRPr lang="en-GB" dirty="0"/>
+          </a:p>
+        </p:txBody>
+      </p:sp>
+    </p:spTree>
+    <p:extLst>
+      <p:ext uri="{BB962C8B-B14F-4D97-AF65-F5344CB8AC3E}">
+        <p14:creationId xmlns:p14="http://schemas.microsoft.com/office/powerpoint/2010/main" val="2952702408"/>
+      </p:ext>
+    </p:extLst>
+  </p:cSld>
+  <p:clrMapOvr>
+    <a:masterClrMapping/>
+  </p:clrMapOvr>
+</p:sld>
+</file>
+
+<file path=ppt/slides/slide6.xml><?xml version="1.0" encoding="utf-8"?>
 <p:sld xmlns:a="http://schemas.openxmlformats.org/drawingml/2006/main" xmlns:r="http://schemas.openxmlformats.org/officeDocument/2006/relationships" xmlns:p="http://schemas.openxmlformats.org/presentationml/2006/main">
   <p:cSld>
     <p:spTree>
@@ -10028,6 +10400,198 @@
               <a:t> simulator</a:t>
             </a:r>
           </a:p>
+          <a:p>
+            <a:pPr lvl="1"/>
+            <a:r>
+              <a:rPr lang="en-US" dirty="0"/>
+              <a:t>Hints:</a:t>
+            </a:r>
+          </a:p>
+          <a:p>
+            <a:pPr lvl="2"/>
+            <a:r>
+              <a:rPr lang="en-US" dirty="0"/>
+              <a:t>The </a:t>
+            </a:r>
+            <a:r>
+              <a:rPr lang="en-US" dirty="0" err="1"/>
+              <a:t>gridmap</a:t>
+            </a:r>
+            <a:r>
+              <a:rPr lang="en-US" dirty="0"/>
+              <a:t> is available in Exercise-3 (The topic name is “</a:t>
+            </a:r>
+            <a:r>
+              <a:rPr lang="en-US" dirty="0" err="1"/>
+              <a:t>grid_map</a:t>
+            </a:r>
+            <a:r>
+              <a:rPr lang="en-US" dirty="0"/>
+              <a:t>” which can be converted to “</a:t>
+            </a:r>
+            <a:r>
+              <a:rPr lang="en-US" dirty="0" err="1"/>
+              <a:t>pointcloud</a:t>
+            </a:r>
+            <a:r>
+              <a:rPr lang="en-US" dirty="0"/>
+              <a:t>”). See: </a:t>
+            </a:r>
+            <a:r>
+              <a:rPr lang="en-US" dirty="0" err="1">
+                <a:solidFill>
+                  <a:srgbClr val="FF0000"/>
+                </a:solidFill>
+              </a:rPr>
+              <a:t>grid_map_ros</a:t>
+            </a:r>
+            <a:r>
+              <a:rPr lang="en-US" dirty="0">
+                <a:solidFill>
+                  <a:srgbClr val="FF0000"/>
+                </a:solidFill>
+              </a:rPr>
+              <a:t>/</a:t>
+            </a:r>
+            <a:r>
+              <a:rPr lang="en-US" dirty="0" err="1">
+                <a:solidFill>
+                  <a:srgbClr val="FF0000"/>
+                </a:solidFill>
+              </a:rPr>
+              <a:t>src</a:t>
+            </a:r>
+            <a:r>
+              <a:rPr lang="en-US" dirty="0">
+                <a:solidFill>
+                  <a:srgbClr val="FF0000"/>
+                </a:solidFill>
+              </a:rPr>
+              <a:t>/GridMapRosConverter.cpp</a:t>
+            </a:r>
+          </a:p>
+          <a:p>
+            <a:pPr lvl="2"/>
+            <a:r>
+              <a:rPr lang="en-US" dirty="0"/>
+              <a:t>The </a:t>
+            </a:r>
+            <a:r>
+              <a:rPr lang="en-US" dirty="0" err="1"/>
+              <a:t>pointcloud</a:t>
+            </a:r>
+            <a:r>
+              <a:rPr lang="en-US" dirty="0"/>
+              <a:t> can be converted to </a:t>
+            </a:r>
+            <a:r>
+              <a:rPr lang="en-US" dirty="0" err="1"/>
+              <a:t>octomap</a:t>
+            </a:r>
+            <a:r>
+              <a:rPr lang="en-US" dirty="0"/>
+              <a:t> (3D occupancy grid map): </a:t>
+            </a:r>
+            <a:r>
+              <a:rPr lang="da-DK" dirty="0" err="1">
+                <a:hlinkClick r:id="rId2"/>
+              </a:rPr>
+              <a:t>octomap</a:t>
+            </a:r>
+            <a:r>
+              <a:rPr lang="da-DK" dirty="0">
+                <a:hlinkClick r:id="rId2"/>
+              </a:rPr>
+              <a:t> - ROS Wiki</a:t>
+            </a:r>
+            <a:endParaRPr lang="da-DK" dirty="0"/>
+          </a:p>
+          <a:p>
+            <a:pPr lvl="2"/>
+            <a:r>
+              <a:rPr lang="da-DK" dirty="0" err="1"/>
+              <a:t>There</a:t>
+            </a:r>
+            <a:r>
+              <a:rPr lang="da-DK" dirty="0"/>
+              <a:t> is a </a:t>
+            </a:r>
+            <a:r>
+              <a:rPr lang="da-DK" dirty="0" err="1"/>
+              <a:t>repository</a:t>
+            </a:r>
+            <a:r>
+              <a:rPr lang="da-DK" dirty="0"/>
+              <a:t> for </a:t>
+            </a:r>
+            <a:r>
+              <a:rPr lang="da-DK" dirty="0" err="1"/>
+              <a:t>octomap</a:t>
+            </a:r>
+            <a:r>
+              <a:rPr lang="da-DK" dirty="0"/>
+              <a:t> </a:t>
+            </a:r>
+            <a:r>
+              <a:rPr lang="da-DK" dirty="0" err="1"/>
+              <a:t>collision</a:t>
+            </a:r>
+            <a:r>
+              <a:rPr lang="da-DK" dirty="0"/>
+              <a:t> check: </a:t>
+            </a:r>
+            <a:r>
+              <a:rPr lang="da-DK" dirty="0">
+                <a:hlinkClick r:id="rId3"/>
+              </a:rPr>
+              <a:t>3d_navigation/</a:t>
+            </a:r>
+            <a:r>
+              <a:rPr lang="da-DK" dirty="0" err="1">
+                <a:hlinkClick r:id="rId3"/>
+              </a:rPr>
+              <a:t>octomap_collision_check</a:t>
+            </a:r>
+            <a:r>
+              <a:rPr lang="da-DK" dirty="0">
+                <a:hlinkClick r:id="rId3"/>
+              </a:rPr>
+              <a:t> at </a:t>
+            </a:r>
+            <a:r>
+              <a:rPr lang="da-DK" dirty="0" err="1">
+                <a:hlinkClick r:id="rId3"/>
+              </a:rPr>
+              <a:t>hydro-devel</a:t>
+            </a:r>
+            <a:r>
+              <a:rPr lang="da-DK" dirty="0">
+                <a:hlinkClick r:id="rId3"/>
+              </a:rPr>
+              <a:t> · ros-</a:t>
+            </a:r>
+            <a:r>
+              <a:rPr lang="da-DK" dirty="0" err="1">
+                <a:hlinkClick r:id="rId3"/>
+              </a:rPr>
+              <a:t>planning</a:t>
+            </a:r>
+            <a:r>
+              <a:rPr lang="da-DK" dirty="0">
+                <a:hlinkClick r:id="rId3"/>
+              </a:rPr>
+              <a:t>/3d_navigation (github.com)</a:t>
+            </a:r>
+            <a:r>
+              <a:rPr lang="da-DK" dirty="0"/>
+              <a:t> </a:t>
+            </a:r>
+            <a:endParaRPr lang="en-US" dirty="0"/>
+          </a:p>
+          <a:p>
+            <a:pPr lvl="2"/>
+            <a:endParaRPr lang="en-US" dirty="0"/>
+          </a:p>
         </p:txBody>
       </p:sp>
       <p:sp>
@@ -10079,7 +10643,7 @@
             <a:fld id="{103EA872-A674-449B-A120-B97244F8E91D}" type="slidenum">
               <a:rPr lang="en-GB" smtClean="0"/>
               <a:pPr/>
-              <a:t>5</a:t>
+              <a:t>6</a:t>
             </a:fld>
             <a:endParaRPr lang="en-GB" dirty="0"/>
           </a:p>
@@ -11034,27 +11598,27 @@
 </file>
 
 <file path=customXml/item2.xml><?xml version="1.0" encoding="utf-8"?>
-<TemplafySlideTemplateConfiguration><![CDATA[{"documentContentValidatorConfiguration":{"enableDocumentContentValidator":false,"documentContentValidatorVersion":0},"elementsMetadata":[],"slideId":"636957681585013765","enableDocumentContentUpdater":true,"version":"1.2"}]]></TemplafySlideTemplateConfiguration>
+<TemplafySlideTemplateConfiguration><![CDATA[{"documentContentValidatorConfiguration":{"enableDocumentContentValidator":false,"documentContentValidatorVersion":0},"elementsMetadata":[],"slideId":"636957681585124447","enableDocumentContentUpdater":true,"version":"1.2"}]]></TemplafySlideTemplateConfiguration>
 </file>
 
 <file path=customXml/item3.xml><?xml version="1.0" encoding="utf-8"?>
+<TemplafyFormConfiguration><![CDATA[{"formFields":[{"required":false,"helpTexts":{"prefix":"","postfix":""},"spacing":{},"type":"datePicker","name":"Date","label":"Date","fullyQualifiedName":"Date"},{"required":false,"placeholder":"","lines":0,"helpTexts":{"prefix":"","postfix":""},"spacing":{},"type":"textBox","name":"PresentationTitle","label":"Presentation title","fullyQualifiedName":"PresentationTitle"}],"formDataEntries":[{"name":"Date","value":"LEYg78CDTsI++dqBQ7gClg=="}]}]]></TemplafyFormConfiguration>
+</file>
+
+<file path=customXml/item4.xml><?xml version="1.0" encoding="utf-8"?>
+<TemplafyTemplateConfiguration><![CDATA[{"elementsMetadata":[{"type":"shape","id":"4677ba61-354d-4365-8b3f-c04251d5c3e5","elementConfiguration":{"binding":"UserProfile.Offices.Workarea_{{DocumentLanguage}}","disableUpdates":false,"type":"text"}},{"type":"shape","id":"b679746d-93d5-4d43-90a4-93ebe9ac3257","elementConfiguration":{"format":"{{DateFormats.GeneralDate}}","binding":"Form.Date","disableUpdates":false,"type":"date"}},{"type":"shape","id":"2b4439ed-ce1f-4eaa-844c-d1e3543b3122","elementConfiguration":{"binding":"Form.PresentationTitle","disableUpdates":false,"type":"text"}}],"transformationConfigurations":[{"language":"{{DocumentLanguage}}","disableUpdates":false,"type":"proofingLanguage"}],"templateName":"DTU Template 16_9 - Navy blue","templateDescription":"","enableDocumentContentUpdater":true,"version":"1.2"}]]></TemplafyTemplateConfiguration>
+</file>
+
+<file path=customXml/item5.xml><?xml version="1.0" encoding="utf-8"?>
 <TemplafySlideFormConfiguration><![CDATA[{"formFields":[],"formDataEntries":[]}]]></TemplafySlideFormConfiguration>
 </file>
 
-<file path=customXml/item4.xml><?xml version="1.0" encoding="utf-8"?>
+<file path=customXml/item6.xml><?xml version="1.0" encoding="utf-8"?>
 <TemplafySlideFormConfiguration><![CDATA[{"formFields":[],"formDataEntries":[]}]]></TemplafySlideFormConfiguration>
 </file>
 
-<file path=customXml/item5.xml><?xml version="1.0" encoding="utf-8"?>
-<TemplafySlideTemplateConfiguration><![CDATA[{"documentContentValidatorConfiguration":{"enableDocumentContentValidator":false,"documentContentValidatorVersion":0},"elementsMetadata":[],"slideId":"636957681585124447","enableDocumentContentUpdater":true,"version":"1.2"}]]></TemplafySlideTemplateConfiguration>
-</file>
-
-<file path=customXml/item6.xml><?xml version="1.0" encoding="utf-8"?>
-<TemplafyTemplateConfiguration><![CDATA[{"elementsMetadata":[{"type":"shape","id":"4677ba61-354d-4365-8b3f-c04251d5c3e5","elementConfiguration":{"binding":"UserProfile.Offices.Workarea_{{DocumentLanguage}}","disableUpdates":false,"type":"text"}},{"type":"shape","id":"b679746d-93d5-4d43-90a4-93ebe9ac3257","elementConfiguration":{"format":"{{DateFormats.GeneralDate}}","binding":"Form.Date","disableUpdates":false,"type":"date"}},{"type":"shape","id":"2b4439ed-ce1f-4eaa-844c-d1e3543b3122","elementConfiguration":{"binding":"Form.PresentationTitle","disableUpdates":false,"type":"text"}}],"transformationConfigurations":[{"language":"{{DocumentLanguage}}","disableUpdates":false,"type":"proofingLanguage"}],"templateName":"DTU Template 16_9 - Navy blue","templateDescription":"","enableDocumentContentUpdater":true,"version":"1.2"}]]></TemplafyTemplateConfiguration>
-</file>
-
 <file path=customXml/item7.xml><?xml version="1.0" encoding="utf-8"?>
-<TemplafyFormConfiguration><![CDATA[{"formFields":[{"required":false,"helpTexts":{"prefix":"","postfix":""},"spacing":{},"type":"datePicker","name":"Date","label":"Date","fullyQualifiedName":"Date"},{"required":false,"placeholder":"","lines":0,"helpTexts":{"prefix":"","postfix":""},"spacing":{},"type":"textBox","name":"PresentationTitle","label":"Presentation title","fullyQualifiedName":"PresentationTitle"}],"formDataEntries":[{"name":"Date","value":"LEYg78CDTsI++dqBQ7gClg=="}]}]]></TemplafyFormConfiguration>
+<TemplafySlideTemplateConfiguration><![CDATA[{"documentContentValidatorConfiguration":{"enableDocumentContentValidator":false,"documentContentValidatorVersion":0},"elementsMetadata":[],"slideId":"636957681585013765","enableDocumentContentUpdater":true,"version":"1.2"}]]></TemplafySlideTemplateConfiguration>
 </file>
 
 <file path=customXml/item8.xml><?xml version="1.0" encoding="utf-8"?>
@@ -11062,43 +11626,43 @@
 </file>
 
 <file path=customXml/itemProps1.xml><?xml version="1.0" encoding="utf-8"?>
+<ds:datastoreItem xmlns:ds="http://schemas.openxmlformats.org/officeDocument/2006/customXml" ds:itemID="{7FEA1E6D-AEEC-41D9-9E9A-45BA2EAE1656}">
+  <ds:schemaRefs/>
+</ds:datastoreItem>
+</file>
+
+<file path=customXml/itemProps2.xml><?xml version="1.0" encoding="utf-8"?>
+<ds:datastoreItem xmlns:ds="http://schemas.openxmlformats.org/officeDocument/2006/customXml" ds:itemID="{0BC190A8-4F09-4D6F-BBED-980F99C3B238}">
+  <ds:schemaRefs/>
+</ds:datastoreItem>
+</file>
+
+<file path=customXml/itemProps3.xml><?xml version="1.0" encoding="utf-8"?>
+<ds:datastoreItem xmlns:ds="http://schemas.openxmlformats.org/officeDocument/2006/customXml" ds:itemID="{5B29B696-7354-412C-9B8E-ED20D22F6B23}">
+  <ds:schemaRefs/>
+</ds:datastoreItem>
+</file>
+
+<file path=customXml/itemProps4.xml><?xml version="1.0" encoding="utf-8"?>
+<ds:datastoreItem xmlns:ds="http://schemas.openxmlformats.org/officeDocument/2006/customXml" ds:itemID="{1334258C-C3E7-4029-A615-C886A240FB15}">
+  <ds:schemaRefs/>
+</ds:datastoreItem>
+</file>
+
+<file path=customXml/itemProps5.xml><?xml version="1.0" encoding="utf-8"?>
+<ds:datastoreItem xmlns:ds="http://schemas.openxmlformats.org/officeDocument/2006/customXml" ds:itemID="{A99E0396-DE9D-473F-B1CB-768EB622C89A}">
+  <ds:schemaRefs/>
+</ds:datastoreItem>
+</file>
+
+<file path=customXml/itemProps6.xml><?xml version="1.0" encoding="utf-8"?>
 <ds:datastoreItem xmlns:ds="http://schemas.openxmlformats.org/officeDocument/2006/customXml" ds:itemID="{BCE4F6AA-590D-471F-8869-D7C9C388B21F}">
   <ds:schemaRefs/>
 </ds:datastoreItem>
 </file>
 
-<file path=customXml/itemProps2.xml><?xml version="1.0" encoding="utf-8"?>
+<file path=customXml/itemProps7.xml><?xml version="1.0" encoding="utf-8"?>
 <ds:datastoreItem xmlns:ds="http://schemas.openxmlformats.org/officeDocument/2006/customXml" ds:itemID="{4D5E1A10-B5E6-482A-9521-846112537EBC}">
-  <ds:schemaRefs/>
-</ds:datastoreItem>
-</file>
-
-<file path=customXml/itemProps3.xml><?xml version="1.0" encoding="utf-8"?>
-<ds:datastoreItem xmlns:ds="http://schemas.openxmlformats.org/officeDocument/2006/customXml" ds:itemID="{A99E0396-DE9D-473F-B1CB-768EB622C89A}">
-  <ds:schemaRefs/>
-</ds:datastoreItem>
-</file>
-
-<file path=customXml/itemProps4.xml><?xml version="1.0" encoding="utf-8"?>
-<ds:datastoreItem xmlns:ds="http://schemas.openxmlformats.org/officeDocument/2006/customXml" ds:itemID="{7FEA1E6D-AEEC-41D9-9E9A-45BA2EAE1656}">
-  <ds:schemaRefs/>
-</ds:datastoreItem>
-</file>
-
-<file path=customXml/itemProps5.xml><?xml version="1.0" encoding="utf-8"?>
-<ds:datastoreItem xmlns:ds="http://schemas.openxmlformats.org/officeDocument/2006/customXml" ds:itemID="{0BC190A8-4F09-4D6F-BBED-980F99C3B238}">
-  <ds:schemaRefs/>
-</ds:datastoreItem>
-</file>
-
-<file path=customXml/itemProps6.xml><?xml version="1.0" encoding="utf-8"?>
-<ds:datastoreItem xmlns:ds="http://schemas.openxmlformats.org/officeDocument/2006/customXml" ds:itemID="{1334258C-C3E7-4029-A615-C886A240FB15}">
-  <ds:schemaRefs/>
-</ds:datastoreItem>
-</file>
-
-<file path=customXml/itemProps7.xml><?xml version="1.0" encoding="utf-8"?>
-<ds:datastoreItem xmlns:ds="http://schemas.openxmlformats.org/officeDocument/2006/customXml" ds:itemID="{5B29B696-7354-412C-9B8E-ED20D22F6B23}">
   <ds:schemaRefs/>
 </ds:datastoreItem>
 </file>

--- a/Slides/T3 - Path Planning.pptx
+++ b/Slides/T3 - Path Planning.pptx
@@ -11594,81 +11594,81 @@
 </file>
 
 <file path=customXml/item1.xml><?xml version="1.0" encoding="utf-8"?>
+<TemplafySlideTemplateConfiguration><![CDATA[{"documentContentValidatorConfiguration":{"enableDocumentContentValidator":false,"documentContentValidatorVersion":0},"elementsMetadata":[],"slideId":"636957681585124447","enableDocumentContentUpdater":true,"version":"1.2"}]]></TemplafySlideTemplateConfiguration>
+</file>
+
+<file path=customXml/item2.xml><?xml version="1.0" encoding="utf-8"?>
 <TemplafySlideFormConfiguration><![CDATA[{"formFields":[],"formDataEntries":[]}]]></TemplafySlideFormConfiguration>
 </file>
 
-<file path=customXml/item2.xml><?xml version="1.0" encoding="utf-8"?>
+<file path=customXml/item3.xml><?xml version="1.0" encoding="utf-8"?>
+<TemplafySlideFormConfiguration><![CDATA[{"formFields":[],"formDataEntries":[]}]]></TemplafySlideFormConfiguration>
+</file>
+
+<file path=customXml/item4.xml><?xml version="1.0" encoding="utf-8"?>
+<TemplafySlideFormConfiguration><![CDATA[{"formFields":[],"formDataEntries":[]}]]></TemplafySlideFormConfiguration>
+</file>
+
+<file path=customXml/item5.xml><?xml version="1.0" encoding="utf-8"?>
+<TemplafyTemplateConfiguration><![CDATA[{"elementsMetadata":[{"type":"shape","id":"4677ba61-354d-4365-8b3f-c04251d5c3e5","elementConfiguration":{"binding":"UserProfile.Offices.Workarea_{{DocumentLanguage}}","disableUpdates":false,"type":"text"}},{"type":"shape","id":"b679746d-93d5-4d43-90a4-93ebe9ac3257","elementConfiguration":{"format":"{{DateFormats.GeneralDate}}","binding":"Form.Date","disableUpdates":false,"type":"date"}},{"type":"shape","id":"2b4439ed-ce1f-4eaa-844c-d1e3543b3122","elementConfiguration":{"binding":"Form.PresentationTitle","disableUpdates":false,"type":"text"}}],"transformationConfigurations":[{"language":"{{DocumentLanguage}}","disableUpdates":false,"type":"proofingLanguage"}],"templateName":"DTU Template 16_9 - Navy blue","templateDescription":"","enableDocumentContentUpdater":true,"version":"1.2"}]]></TemplafyTemplateConfiguration>
+</file>
+
+<file path=customXml/item6.xml><?xml version="1.0" encoding="utf-8"?>
 <TemplafySlideTemplateConfiguration><![CDATA[{"documentContentValidatorConfiguration":{"enableDocumentContentValidator":false,"documentContentValidatorVersion":0},"elementsMetadata":[],"slideId":"636957681585124447","enableDocumentContentUpdater":true,"version":"1.2"}]]></TemplafySlideTemplateConfiguration>
 </file>
 
-<file path=customXml/item3.xml><?xml version="1.0" encoding="utf-8"?>
+<file path=customXml/item7.xml><?xml version="1.0" encoding="utf-8"?>
 <TemplafyFormConfiguration><![CDATA[{"formFields":[{"required":false,"helpTexts":{"prefix":"","postfix":""},"spacing":{},"type":"datePicker","name":"Date","label":"Date","fullyQualifiedName":"Date"},{"required":false,"placeholder":"","lines":0,"helpTexts":{"prefix":"","postfix":""},"spacing":{},"type":"textBox","name":"PresentationTitle","label":"Presentation title","fullyQualifiedName":"PresentationTitle"}],"formDataEntries":[{"name":"Date","value":"LEYg78CDTsI++dqBQ7gClg=="}]}]]></TemplafyFormConfiguration>
 </file>
 
-<file path=customXml/item4.xml><?xml version="1.0" encoding="utf-8"?>
-<TemplafyTemplateConfiguration><![CDATA[{"elementsMetadata":[{"type":"shape","id":"4677ba61-354d-4365-8b3f-c04251d5c3e5","elementConfiguration":{"binding":"UserProfile.Offices.Workarea_{{DocumentLanguage}}","disableUpdates":false,"type":"text"}},{"type":"shape","id":"b679746d-93d5-4d43-90a4-93ebe9ac3257","elementConfiguration":{"format":"{{DateFormats.GeneralDate}}","binding":"Form.Date","disableUpdates":false,"type":"date"}},{"type":"shape","id":"2b4439ed-ce1f-4eaa-844c-d1e3543b3122","elementConfiguration":{"binding":"Form.PresentationTitle","disableUpdates":false,"type":"text"}}],"transformationConfigurations":[{"language":"{{DocumentLanguage}}","disableUpdates":false,"type":"proofingLanguage"}],"templateName":"DTU Template 16_9 - Navy blue","templateDescription":"","enableDocumentContentUpdater":true,"version":"1.2"}]]></TemplafyTemplateConfiguration>
-</file>
-
-<file path=customXml/item5.xml><?xml version="1.0" encoding="utf-8"?>
-<TemplafySlideFormConfiguration><![CDATA[{"formFields":[],"formDataEntries":[]}]]></TemplafySlideFormConfiguration>
-</file>
-
-<file path=customXml/item6.xml><?xml version="1.0" encoding="utf-8"?>
-<TemplafySlideFormConfiguration><![CDATA[{"formFields":[],"formDataEntries":[]}]]></TemplafySlideFormConfiguration>
-</file>
-
-<file path=customXml/item7.xml><?xml version="1.0" encoding="utf-8"?>
+<file path=customXml/item8.xml><?xml version="1.0" encoding="utf-8"?>
 <TemplafySlideTemplateConfiguration><![CDATA[{"documentContentValidatorConfiguration":{"enableDocumentContentValidator":false,"documentContentValidatorVersion":0},"elementsMetadata":[],"slideId":"636957681585013765","enableDocumentContentUpdater":true,"version":"1.2"}]]></TemplafySlideTemplateConfiguration>
 </file>
 
-<file path=customXml/item8.xml><?xml version="1.0" encoding="utf-8"?>
-<TemplafySlideTemplateConfiguration><![CDATA[{"documentContentValidatorConfiguration":{"enableDocumentContentValidator":false,"documentContentValidatorVersion":0},"elementsMetadata":[],"slideId":"636957681585124447","enableDocumentContentUpdater":true,"version":"1.2"}]]></TemplafySlideTemplateConfiguration>
+<file path=customXml/itemProps1.xml><?xml version="1.0" encoding="utf-8"?>
+<ds:datastoreItem xmlns:ds="http://schemas.openxmlformats.org/officeDocument/2006/customXml" ds:itemID="{0BC190A8-4F09-4D6F-BBED-980F99C3B238}">
+  <ds:schemaRefs/>
+</ds:datastoreItem>
 </file>
 
-<file path=customXml/itemProps1.xml><?xml version="1.0" encoding="utf-8"?>
+<file path=customXml/itemProps2.xml><?xml version="1.0" encoding="utf-8"?>
 <ds:datastoreItem xmlns:ds="http://schemas.openxmlformats.org/officeDocument/2006/customXml" ds:itemID="{7FEA1E6D-AEEC-41D9-9E9A-45BA2EAE1656}">
   <ds:schemaRefs/>
 </ds:datastoreItem>
 </file>
 
-<file path=customXml/itemProps2.xml><?xml version="1.0" encoding="utf-8"?>
-<ds:datastoreItem xmlns:ds="http://schemas.openxmlformats.org/officeDocument/2006/customXml" ds:itemID="{0BC190A8-4F09-4D6F-BBED-980F99C3B238}">
+<file path=customXml/itemProps3.xml><?xml version="1.0" encoding="utf-8"?>
+<ds:datastoreItem xmlns:ds="http://schemas.openxmlformats.org/officeDocument/2006/customXml" ds:itemID="{BCE4F6AA-590D-471F-8869-D7C9C388B21F}">
   <ds:schemaRefs/>
 </ds:datastoreItem>
 </file>
 
-<file path=customXml/itemProps3.xml><?xml version="1.0" encoding="utf-8"?>
+<file path=customXml/itemProps4.xml><?xml version="1.0" encoding="utf-8"?>
+<ds:datastoreItem xmlns:ds="http://schemas.openxmlformats.org/officeDocument/2006/customXml" ds:itemID="{A99E0396-DE9D-473F-B1CB-768EB622C89A}">
+  <ds:schemaRefs/>
+</ds:datastoreItem>
+</file>
+
+<file path=customXml/itemProps5.xml><?xml version="1.0" encoding="utf-8"?>
+<ds:datastoreItem xmlns:ds="http://schemas.openxmlformats.org/officeDocument/2006/customXml" ds:itemID="{1334258C-C3E7-4029-A615-C886A240FB15}">
+  <ds:schemaRefs/>
+</ds:datastoreItem>
+</file>
+
+<file path=customXml/itemProps6.xml><?xml version="1.0" encoding="utf-8"?>
+<ds:datastoreItem xmlns:ds="http://schemas.openxmlformats.org/officeDocument/2006/customXml" ds:itemID="{AD091A09-3CB8-44F3-AFDB-D8A682CADFEC}">
+  <ds:schemaRefs/>
+</ds:datastoreItem>
+</file>
+
+<file path=customXml/itemProps7.xml><?xml version="1.0" encoding="utf-8"?>
 <ds:datastoreItem xmlns:ds="http://schemas.openxmlformats.org/officeDocument/2006/customXml" ds:itemID="{5B29B696-7354-412C-9B8E-ED20D22F6B23}">
   <ds:schemaRefs/>
 </ds:datastoreItem>
 </file>
 
-<file path=customXml/itemProps4.xml><?xml version="1.0" encoding="utf-8"?>
-<ds:datastoreItem xmlns:ds="http://schemas.openxmlformats.org/officeDocument/2006/customXml" ds:itemID="{1334258C-C3E7-4029-A615-C886A240FB15}">
-  <ds:schemaRefs/>
-</ds:datastoreItem>
-</file>
-
-<file path=customXml/itemProps5.xml><?xml version="1.0" encoding="utf-8"?>
-<ds:datastoreItem xmlns:ds="http://schemas.openxmlformats.org/officeDocument/2006/customXml" ds:itemID="{A99E0396-DE9D-473F-B1CB-768EB622C89A}">
-  <ds:schemaRefs/>
-</ds:datastoreItem>
-</file>
-
-<file path=customXml/itemProps6.xml><?xml version="1.0" encoding="utf-8"?>
-<ds:datastoreItem xmlns:ds="http://schemas.openxmlformats.org/officeDocument/2006/customXml" ds:itemID="{BCE4F6AA-590D-471F-8869-D7C9C388B21F}">
-  <ds:schemaRefs/>
-</ds:datastoreItem>
-</file>
-
-<file path=customXml/itemProps7.xml><?xml version="1.0" encoding="utf-8"?>
+<file path=customXml/itemProps8.xml><?xml version="1.0" encoding="utf-8"?>
 <ds:datastoreItem xmlns:ds="http://schemas.openxmlformats.org/officeDocument/2006/customXml" ds:itemID="{4D5E1A10-B5E6-482A-9521-846112537EBC}">
   <ds:schemaRefs/>
 </ds:datastoreItem>
-</file>
-
-<file path=customXml/itemProps8.xml><?xml version="1.0" encoding="utf-8"?>
-<ds:datastoreItem xmlns:ds="http://schemas.openxmlformats.org/officeDocument/2006/customXml" ds:itemID="{AD091A09-3CB8-44F3-AFDB-D8A682CADFEC}">
-  <ds:schemaRefs/>
-</ds:datastoreItem>
 </file>
--- a/Slides/T3 - Path Planning.pptx
+++ b/Slides/T3 - Path Planning.pptx
@@ -10328,7 +10328,7 @@
                   <a:srgbClr val="FF0000"/>
                 </a:solidFill>
               </a:rPr>
-              <a:t>exe2_sampling_based.ipynb </a:t>
+              <a:t>exe2_1_sampling_based.ipynb </a:t>
             </a:r>
             <a:r>
               <a:rPr lang="en-US" dirty="0"/>
@@ -10362,7 +10362,7 @@
                   </a:schemeClr>
                 </a:solidFill>
               </a:rPr>
-              <a:t>Search_based_Planning</a:t>
+              <a:t>Sampling_based_Planning</a:t>
             </a:r>
             <a:r>
               <a:rPr lang="en-US" dirty="0">
@@ -11594,81 +11594,81 @@
 </file>
 
 <file path=customXml/item1.xml><?xml version="1.0" encoding="utf-8"?>
+<TemplafySlideFormConfiguration><![CDATA[{"formFields":[],"formDataEntries":[]}]]></TemplafySlideFormConfiguration>
+</file>
+
+<file path=customXml/item2.xml><?xml version="1.0" encoding="utf-8"?>
 <TemplafySlideTemplateConfiguration><![CDATA[{"documentContentValidatorConfiguration":{"enableDocumentContentValidator":false,"documentContentValidatorVersion":0},"elementsMetadata":[],"slideId":"636957681585124447","enableDocumentContentUpdater":true,"version":"1.2"}]]></TemplafySlideTemplateConfiguration>
 </file>
 
-<file path=customXml/item2.xml><?xml version="1.0" encoding="utf-8"?>
+<file path=customXml/item3.xml><?xml version="1.0" encoding="utf-8"?>
+<TemplafySlideTemplateConfiguration><![CDATA[{"documentContentValidatorConfiguration":{"enableDocumentContentValidator":false,"documentContentValidatorVersion":0},"elementsMetadata":[],"slideId":"636957681585124447","enableDocumentContentUpdater":true,"version":"1.2"}]]></TemplafySlideTemplateConfiguration>
+</file>
+
+<file path=customXml/item4.xml><?xml version="1.0" encoding="utf-8"?>
+<TemplafyTemplateConfiguration><![CDATA[{"elementsMetadata":[{"type":"shape","id":"4677ba61-354d-4365-8b3f-c04251d5c3e5","elementConfiguration":{"binding":"UserProfile.Offices.Workarea_{{DocumentLanguage}}","disableUpdates":false,"type":"text"}},{"type":"shape","id":"b679746d-93d5-4d43-90a4-93ebe9ac3257","elementConfiguration":{"format":"{{DateFormats.GeneralDate}}","binding":"Form.Date","disableUpdates":false,"type":"date"}},{"type":"shape","id":"2b4439ed-ce1f-4eaa-844c-d1e3543b3122","elementConfiguration":{"binding":"Form.PresentationTitle","disableUpdates":false,"type":"text"}}],"transformationConfigurations":[{"language":"{{DocumentLanguage}}","disableUpdates":false,"type":"proofingLanguage"}],"templateName":"DTU Template 16_9 - Navy blue","templateDescription":"","enableDocumentContentUpdater":true,"version":"1.2"}]]></TemplafyTemplateConfiguration>
+</file>
+
+<file path=customXml/item5.xml><?xml version="1.0" encoding="utf-8"?>
 <TemplafySlideFormConfiguration><![CDATA[{"formFields":[],"formDataEntries":[]}]]></TemplafySlideFormConfiguration>
 </file>
 
-<file path=customXml/item3.xml><?xml version="1.0" encoding="utf-8"?>
+<file path=customXml/item6.xml><?xml version="1.0" encoding="utf-8"?>
+<TemplafySlideTemplateConfiguration><![CDATA[{"documentContentValidatorConfiguration":{"enableDocumentContentValidator":false,"documentContentValidatorVersion":0},"elementsMetadata":[],"slideId":"636957681585013765","enableDocumentContentUpdater":true,"version":"1.2"}]]></TemplafySlideTemplateConfiguration>
+</file>
+
+<file path=customXml/item7.xml><?xml version="1.0" encoding="utf-8"?>
 <TemplafySlideFormConfiguration><![CDATA[{"formFields":[],"formDataEntries":[]}]]></TemplafySlideFormConfiguration>
 </file>
 
-<file path=customXml/item4.xml><?xml version="1.0" encoding="utf-8"?>
-<TemplafySlideFormConfiguration><![CDATA[{"formFields":[],"formDataEntries":[]}]]></TemplafySlideFormConfiguration>
-</file>
-
-<file path=customXml/item5.xml><?xml version="1.0" encoding="utf-8"?>
-<TemplafyTemplateConfiguration><![CDATA[{"elementsMetadata":[{"type":"shape","id":"4677ba61-354d-4365-8b3f-c04251d5c3e5","elementConfiguration":{"binding":"UserProfile.Offices.Workarea_{{DocumentLanguage}}","disableUpdates":false,"type":"text"}},{"type":"shape","id":"b679746d-93d5-4d43-90a4-93ebe9ac3257","elementConfiguration":{"format":"{{DateFormats.GeneralDate}}","binding":"Form.Date","disableUpdates":false,"type":"date"}},{"type":"shape","id":"2b4439ed-ce1f-4eaa-844c-d1e3543b3122","elementConfiguration":{"binding":"Form.PresentationTitle","disableUpdates":false,"type":"text"}}],"transformationConfigurations":[{"language":"{{DocumentLanguage}}","disableUpdates":false,"type":"proofingLanguage"}],"templateName":"DTU Template 16_9 - Navy blue","templateDescription":"","enableDocumentContentUpdater":true,"version":"1.2"}]]></TemplafyTemplateConfiguration>
-</file>
-
-<file path=customXml/item6.xml><?xml version="1.0" encoding="utf-8"?>
-<TemplafySlideTemplateConfiguration><![CDATA[{"documentContentValidatorConfiguration":{"enableDocumentContentValidator":false,"documentContentValidatorVersion":0},"elementsMetadata":[],"slideId":"636957681585124447","enableDocumentContentUpdater":true,"version":"1.2"}]]></TemplafySlideTemplateConfiguration>
-</file>
-
-<file path=customXml/item7.xml><?xml version="1.0" encoding="utf-8"?>
+<file path=customXml/item8.xml><?xml version="1.0" encoding="utf-8"?>
 <TemplafyFormConfiguration><![CDATA[{"formFields":[{"required":false,"helpTexts":{"prefix":"","postfix":""},"spacing":{},"type":"datePicker","name":"Date","label":"Date","fullyQualifiedName":"Date"},{"required":false,"placeholder":"","lines":0,"helpTexts":{"prefix":"","postfix":""},"spacing":{},"type":"textBox","name":"PresentationTitle","label":"Presentation title","fullyQualifiedName":"PresentationTitle"}],"formDataEntries":[{"name":"Date","value":"LEYg78CDTsI++dqBQ7gClg=="}]}]]></TemplafyFormConfiguration>
 </file>
 
-<file path=customXml/item8.xml><?xml version="1.0" encoding="utf-8"?>
-<TemplafySlideTemplateConfiguration><![CDATA[{"documentContentValidatorConfiguration":{"enableDocumentContentValidator":false,"documentContentValidatorVersion":0},"elementsMetadata":[],"slideId":"636957681585013765","enableDocumentContentUpdater":true,"version":"1.2"}]]></TemplafySlideTemplateConfiguration>
+<file path=customXml/itemProps1.xml><?xml version="1.0" encoding="utf-8"?>
+<ds:datastoreItem xmlns:ds="http://schemas.openxmlformats.org/officeDocument/2006/customXml" ds:itemID="{7FEA1E6D-AEEC-41D9-9E9A-45BA2EAE1656}">
+  <ds:schemaRefs/>
+</ds:datastoreItem>
 </file>
 
-<file path=customXml/itemProps1.xml><?xml version="1.0" encoding="utf-8"?>
+<file path=customXml/itemProps2.xml><?xml version="1.0" encoding="utf-8"?>
 <ds:datastoreItem xmlns:ds="http://schemas.openxmlformats.org/officeDocument/2006/customXml" ds:itemID="{0BC190A8-4F09-4D6F-BBED-980F99C3B238}">
   <ds:schemaRefs/>
 </ds:datastoreItem>
 </file>
 
-<file path=customXml/itemProps2.xml><?xml version="1.0" encoding="utf-8"?>
-<ds:datastoreItem xmlns:ds="http://schemas.openxmlformats.org/officeDocument/2006/customXml" ds:itemID="{7FEA1E6D-AEEC-41D9-9E9A-45BA2EAE1656}">
+<file path=customXml/itemProps3.xml><?xml version="1.0" encoding="utf-8"?>
+<ds:datastoreItem xmlns:ds="http://schemas.openxmlformats.org/officeDocument/2006/customXml" ds:itemID="{AD091A09-3CB8-44F3-AFDB-D8A682CADFEC}">
   <ds:schemaRefs/>
 </ds:datastoreItem>
 </file>
 
-<file path=customXml/itemProps3.xml><?xml version="1.0" encoding="utf-8"?>
+<file path=customXml/itemProps4.xml><?xml version="1.0" encoding="utf-8"?>
+<ds:datastoreItem xmlns:ds="http://schemas.openxmlformats.org/officeDocument/2006/customXml" ds:itemID="{1334258C-C3E7-4029-A615-C886A240FB15}">
+  <ds:schemaRefs/>
+</ds:datastoreItem>
+</file>
+
+<file path=customXml/itemProps5.xml><?xml version="1.0" encoding="utf-8"?>
+<ds:datastoreItem xmlns:ds="http://schemas.openxmlformats.org/officeDocument/2006/customXml" ds:itemID="{A99E0396-DE9D-473F-B1CB-768EB622C89A}">
+  <ds:schemaRefs/>
+</ds:datastoreItem>
+</file>
+
+<file path=customXml/itemProps6.xml><?xml version="1.0" encoding="utf-8"?>
+<ds:datastoreItem xmlns:ds="http://schemas.openxmlformats.org/officeDocument/2006/customXml" ds:itemID="{4D5E1A10-B5E6-482A-9521-846112537EBC}">
+  <ds:schemaRefs/>
+</ds:datastoreItem>
+</file>
+
+<file path=customXml/itemProps7.xml><?xml version="1.0" encoding="utf-8"?>
 <ds:datastoreItem xmlns:ds="http://schemas.openxmlformats.org/officeDocument/2006/customXml" ds:itemID="{BCE4F6AA-590D-471F-8869-D7C9C388B21F}">
   <ds:schemaRefs/>
 </ds:datastoreItem>
 </file>
 
-<file path=customXml/itemProps4.xml><?xml version="1.0" encoding="utf-8"?>
-<ds:datastoreItem xmlns:ds="http://schemas.openxmlformats.org/officeDocument/2006/customXml" ds:itemID="{A99E0396-DE9D-473F-B1CB-768EB622C89A}">
-  <ds:schemaRefs/>
-</ds:datastoreItem>
-</file>
-
-<file path=customXml/itemProps5.xml><?xml version="1.0" encoding="utf-8"?>
-<ds:datastoreItem xmlns:ds="http://schemas.openxmlformats.org/officeDocument/2006/customXml" ds:itemID="{1334258C-C3E7-4029-A615-C886A240FB15}">
-  <ds:schemaRefs/>
-</ds:datastoreItem>
-</file>
-
-<file path=customXml/itemProps6.xml><?xml version="1.0" encoding="utf-8"?>
-<ds:datastoreItem xmlns:ds="http://schemas.openxmlformats.org/officeDocument/2006/customXml" ds:itemID="{AD091A09-3CB8-44F3-AFDB-D8A682CADFEC}">
-  <ds:schemaRefs/>
-</ds:datastoreItem>
-</file>
-
-<file path=customXml/itemProps7.xml><?xml version="1.0" encoding="utf-8"?>
+<file path=customXml/itemProps8.xml><?xml version="1.0" encoding="utf-8"?>
 <ds:datastoreItem xmlns:ds="http://schemas.openxmlformats.org/officeDocument/2006/customXml" ds:itemID="{5B29B696-7354-412C-9B8E-ED20D22F6B23}">
   <ds:schemaRefs/>
 </ds:datastoreItem>
-</file>
-
-<file path=customXml/itemProps8.xml><?xml version="1.0" encoding="utf-8"?>
-<ds:datastoreItem xmlns:ds="http://schemas.openxmlformats.org/officeDocument/2006/customXml" ds:itemID="{4D5E1A10-B5E6-482A-9521-846112537EBC}">
-  <ds:schemaRefs/>
-</ds:datastoreItem>
 </file>
--- a/Slides/T3 - Path Planning.pptx
+++ b/Slides/T3 - Path Planning.pptx
@@ -9736,62 +9736,131 @@
           <a:lstStyle/>
           <a:p>
             <a:r>
-              <a:rPr lang="en-US" dirty="0"/>
+              <a:rPr lang="en-US" sz="1600" dirty="0"/>
               <a:t>Exercise 3.1: Running the path planning simulation</a:t>
             </a:r>
           </a:p>
           <a:p>
             <a:pPr lvl="1"/>
             <a:r>
-              <a:rPr lang="en-US" dirty="0"/>
-              <a:t>For installing the package and run the docker, visit:</a:t>
+              <a:rPr lang="en-US" sz="1600" dirty="0"/>
+              <a:t>The ROS workspace is at “</a:t>
+            </a:r>
+            <a:r>
+              <a:rPr lang="en-US" sz="1600" dirty="0" err="1"/>
+              <a:t>Training_Sessions</a:t>
+            </a:r>
+            <a:r>
+              <a:rPr lang="en-US" sz="1600" dirty="0"/>
+              <a:t>/TS3_Path_Planning/ts3_ws”</a:t>
+            </a:r>
+          </a:p>
+          <a:p>
+            <a:pPr lvl="1"/>
+            <a:r>
+              <a:rPr lang="en-US" sz="1600" dirty="0"/>
+              <a:t>You need to compile it by:</a:t>
             </a:r>
           </a:p>
           <a:p>
             <a:pPr lvl="2"/>
             <a:r>
-              <a:rPr lang="en-US" dirty="0">
+              <a:rPr lang="en-US" sz="1600" b="0" dirty="0">
+                <a:solidFill>
+                  <a:srgbClr val="FF0000"/>
+                </a:solidFill>
+                <a:effectLst/>
+                <a:latin typeface="Consolas" panose="020B0609020204030204" pitchFamily="49" charset="0"/>
+              </a:rPr>
+              <a:t>cd 34763-autonomous-marine-robotics\</a:t>
+            </a:r>
+            <a:r>
+              <a:rPr lang="en-US" sz="1600" b="0" dirty="0" err="1">
+                <a:solidFill>
+                  <a:srgbClr val="FF0000"/>
+                </a:solidFill>
+                <a:effectLst/>
+                <a:latin typeface="Consolas" panose="020B0609020204030204" pitchFamily="49" charset="0"/>
+              </a:rPr>
+              <a:t>Training_Sessions</a:t>
+            </a:r>
+            <a:r>
+              <a:rPr lang="en-US" sz="1600" b="0" dirty="0">
+                <a:solidFill>
+                  <a:srgbClr val="FF0000"/>
+                </a:solidFill>
+                <a:effectLst/>
+                <a:latin typeface="Consolas" panose="020B0609020204030204" pitchFamily="49" charset="0"/>
+              </a:rPr>
+              <a:t>\TS3_Path_Planning\ts3_ws</a:t>
+            </a:r>
+          </a:p>
+          <a:p>
+            <a:pPr lvl="2"/>
+            <a:r>
+              <a:rPr lang="en-US" sz="1600" b="0" dirty="0" err="1">
+                <a:solidFill>
+                  <a:srgbClr val="FF0000"/>
+                </a:solidFill>
+                <a:effectLst/>
+                <a:latin typeface="Consolas" panose="020B0609020204030204" pitchFamily="49" charset="0"/>
+              </a:rPr>
+              <a:t>catkin_make</a:t>
+            </a:r>
+            <a:endParaRPr lang="en-US" sz="1600" b="0" dirty="0">
+              <a:solidFill>
+                <a:srgbClr val="FF0000"/>
+              </a:solidFill>
+              <a:effectLst/>
+              <a:latin typeface="Consolas" panose="020B0609020204030204" pitchFamily="49" charset="0"/>
+            </a:endParaRPr>
+          </a:p>
+          <a:p>
+            <a:pPr lvl="1"/>
+            <a:r>
+              <a:rPr lang="en-US" sz="1600" dirty="0"/>
+              <a:t>How to run the simulation:</a:t>
+            </a:r>
+          </a:p>
+          <a:p>
+            <a:pPr lvl="2"/>
+            <a:r>
+              <a:rPr lang="en-US" sz="1600" dirty="0"/>
+              <a:t>Run the </a:t>
+            </a:r>
+            <a:r>
+              <a:rPr lang="en-US" sz="1600" dirty="0" err="1"/>
+              <a:t>BlueROV</a:t>
+            </a:r>
+            <a:r>
+              <a:rPr lang="en-US" sz="1600" dirty="0"/>
+              <a:t> Gazebo:</a:t>
+            </a:r>
+          </a:p>
+          <a:p>
+            <a:pPr lvl="3"/>
+            <a:r>
+              <a:rPr lang="en-US" sz="1600" dirty="0">
                 <a:solidFill>
                   <a:srgbClr val="FF0000"/>
                 </a:solidFill>
               </a:rPr>
-              <a:t>https://github.com/yaqub93/bluerov_path_planning.git </a:t>
-            </a:r>
-            <a:endParaRPr lang="en-US" dirty="0"/>
-          </a:p>
-          <a:p>
-            <a:pPr lvl="2"/>
-            <a:r>
-              <a:rPr lang="en-US" dirty="0"/>
-              <a:t>Note: If you are familiar with ROS, using Docker is not mandatory</a:t>
-            </a:r>
-          </a:p>
-          <a:p>
-            <a:pPr lvl="1"/>
-            <a:r>
-              <a:rPr lang="en-US" dirty="0"/>
-              <a:t>How to run the simulation:</a:t>
-            </a:r>
-          </a:p>
-          <a:p>
-            <a:pPr lvl="2"/>
-            <a:r>
-              <a:rPr lang="en-US" dirty="0"/>
-              <a:t>Run the </a:t>
-            </a:r>
-            <a:r>
-              <a:rPr lang="en-US" dirty="0" err="1"/>
-              <a:t>BlueROV</a:t>
-            </a:r>
-            <a:r>
-              <a:rPr lang="en-US" dirty="0"/>
-              <a:t> Gazebo:</a:t>
-            </a:r>
+              <a:t>source devel/</a:t>
+            </a:r>
+            <a:r>
+              <a:rPr lang="en-US" sz="1600" dirty="0" err="1">
+                <a:solidFill>
+                  <a:srgbClr val="FF0000"/>
+                </a:solidFill>
+              </a:rPr>
+              <a:t>setup.bash</a:t>
+            </a:r>
+            <a:endParaRPr lang="en-US" sz="1600" dirty="0"/>
           </a:p>
           <a:p>
             <a:pPr lvl="3"/>
             <a:r>
-              <a:rPr lang="en-US" dirty="0" err="1">
+              <a:rPr lang="en-US" sz="1600" dirty="0" err="1">
                 <a:solidFill>
                   <a:srgbClr val="FF0000"/>
                 </a:solidFill>
@@ -9799,22 +9868,22 @@
               <a:t>roslaunch</a:t>
             </a:r>
             <a:r>
-              <a:rPr lang="en-US" dirty="0">
+              <a:rPr lang="en-US" sz="1600" dirty="0">
                 <a:solidFill>
                   <a:srgbClr val="FF0000"/>
                 </a:solidFill>
               </a:rPr>
-              <a:t> bluerov2_gazebo </a:t>
-            </a:r>
-            <a:r>
-              <a:rPr lang="en-US" dirty="0" err="1">
+              <a:t> ts3_path_planning </a:t>
+            </a:r>
+            <a:r>
+              <a:rPr lang="en-US" sz="1600" dirty="0" err="1">
                 <a:solidFill>
                   <a:srgbClr val="FF0000"/>
                 </a:solidFill>
               </a:rPr>
               <a:t>start_pid_demo_lake.launch</a:t>
             </a:r>
-            <a:endParaRPr lang="en-US" dirty="0">
+            <a:endParaRPr lang="en-US" sz="1600" dirty="0">
               <a:solidFill>
                 <a:srgbClr val="FF0000"/>
               </a:solidFill>
@@ -9823,14 +9892,38 @@
           <a:p>
             <a:pPr lvl="2"/>
             <a:r>
-              <a:rPr lang="en-US" dirty="0"/>
+              <a:rPr lang="en-US" sz="1600" dirty="0"/>
               <a:t>Run the map publisher, path planner and path follower:</a:t>
             </a:r>
           </a:p>
           <a:p>
             <a:pPr lvl="3"/>
             <a:r>
-              <a:rPr lang="en-US" dirty="0" err="1">
+              <a:rPr lang="en-US" sz="1600" dirty="0">
+                <a:solidFill>
+                  <a:srgbClr val="FF0000"/>
+                </a:solidFill>
+              </a:rPr>
+              <a:t>source devel/</a:t>
+            </a:r>
+            <a:r>
+              <a:rPr lang="en-US" sz="1600" dirty="0" err="1">
+                <a:solidFill>
+                  <a:srgbClr val="FF0000"/>
+                </a:solidFill>
+              </a:rPr>
+              <a:t>setup.bash</a:t>
+            </a:r>
+            <a:endParaRPr lang="en-US" sz="1600" dirty="0">
+              <a:solidFill>
+                <a:srgbClr val="FF0000"/>
+              </a:solidFill>
+            </a:endParaRPr>
+          </a:p>
+          <a:p>
+            <a:pPr lvl="3"/>
+            <a:r>
+              <a:rPr lang="en-US" sz="1600" dirty="0" err="1">
                 <a:solidFill>
                   <a:srgbClr val="FF0000"/>
                 </a:solidFill>
@@ -9838,38 +9931,22 @@
               <a:t>roslaunch</a:t>
             </a:r>
             <a:r>
-              <a:rPr lang="en-US" dirty="0">
+              <a:rPr lang="en-US" sz="1600" dirty="0">
                 <a:solidFill>
                   <a:srgbClr val="FF0000"/>
                 </a:solidFill>
               </a:rPr>
-              <a:t> </a:t>
-            </a:r>
-            <a:r>
-              <a:rPr lang="en-US" dirty="0" err="1">
-                <a:solidFill>
-                  <a:srgbClr val="FF0000"/>
-                </a:solidFill>
-              </a:rPr>
-              <a:t>bluerov_path_planning</a:t>
-            </a:r>
-            <a:r>
-              <a:rPr lang="en-US" dirty="0">
-                <a:solidFill>
-                  <a:srgbClr val="FF0000"/>
-                </a:solidFill>
-              </a:rPr>
-              <a:t> </a:t>
-            </a:r>
-            <a:r>
-              <a:rPr lang="en-US" dirty="0" err="1">
+              <a:t> ts3_path_planning </a:t>
+            </a:r>
+            <a:r>
+              <a:rPr lang="en-US" sz="1600" dirty="0" err="1">
                 <a:solidFill>
                   <a:srgbClr val="FF0000"/>
                 </a:solidFill>
               </a:rPr>
               <a:t>run.launch</a:t>
             </a:r>
-            <a:endParaRPr lang="en-US" dirty="0">
+            <a:endParaRPr lang="en-US" sz="1600" dirty="0">
               <a:solidFill>
                 <a:srgbClr val="FF0000"/>
               </a:solidFill>
@@ -9878,14 +9955,34 @@
           <a:p>
             <a:pPr lvl="2"/>
             <a:r>
-              <a:rPr lang="en-US" dirty="0"/>
+              <a:rPr lang="en-US" sz="1600" dirty="0"/>
               <a:t>Publish the goal position:</a:t>
             </a:r>
           </a:p>
           <a:p>
             <a:pPr lvl="3"/>
             <a:r>
-              <a:rPr lang="en-US" dirty="0" err="1">
+              <a:rPr lang="en-US" sz="1600" dirty="0">
+                <a:solidFill>
+                  <a:srgbClr val="FF0000"/>
+                </a:solidFill>
+              </a:rPr>
+              <a:t>source devel/</a:t>
+            </a:r>
+            <a:r>
+              <a:rPr lang="en-US" sz="1600" dirty="0" err="1">
+                <a:solidFill>
+                  <a:srgbClr val="FF0000"/>
+                </a:solidFill>
+              </a:rPr>
+              <a:t>setup.bash</a:t>
+            </a:r>
+            <a:endParaRPr lang="en-US" sz="1600" dirty="0"/>
+          </a:p>
+          <a:p>
+            <a:pPr lvl="3"/>
+            <a:r>
+              <a:rPr lang="en-US" sz="1600" dirty="0" err="1">
                 <a:solidFill>
                   <a:srgbClr val="FF0000"/>
                 </a:solidFill>
@@ -9893,38 +9990,22 @@
               <a:t>roslaunch</a:t>
             </a:r>
             <a:r>
-              <a:rPr lang="en-US" dirty="0">
+              <a:rPr lang="en-US" sz="1600" dirty="0">
                 <a:solidFill>
                   <a:srgbClr val="FF0000"/>
                 </a:solidFill>
               </a:rPr>
-              <a:t> </a:t>
-            </a:r>
-            <a:r>
-              <a:rPr lang="en-US" dirty="0" err="1">
-                <a:solidFill>
-                  <a:srgbClr val="FF0000"/>
-                </a:solidFill>
-              </a:rPr>
-              <a:t>bluerov_path_planning</a:t>
-            </a:r>
-            <a:r>
-              <a:rPr lang="en-US" dirty="0">
-                <a:solidFill>
-                  <a:srgbClr val="FF0000"/>
-                </a:solidFill>
-              </a:rPr>
-              <a:t> </a:t>
-            </a:r>
-            <a:r>
-              <a:rPr lang="en-US" dirty="0" err="1">
+              <a:t> ts3_path_planning </a:t>
+            </a:r>
+            <a:r>
+              <a:rPr lang="en-US" sz="1600" dirty="0" err="1">
                 <a:solidFill>
                   <a:srgbClr val="FF0000"/>
                 </a:solidFill>
               </a:rPr>
               <a:t>publish_goal.launch</a:t>
             </a:r>
-            <a:endParaRPr lang="en-US" dirty="0">
+            <a:endParaRPr lang="en-US" sz="1600" dirty="0">
               <a:solidFill>
                 <a:srgbClr val="FF0000"/>
               </a:solidFill>
@@ -10590,7 +10671,58 @@
           </a:p>
           <a:p>
             <a:pPr lvl="2"/>
-            <a:endParaRPr lang="en-US" dirty="0"/>
+            <a:r>
+              <a:rPr lang="en-US" dirty="0"/>
+              <a:t>You are also welcome to use </a:t>
+            </a:r>
+            <a:r>
+              <a:rPr lang="en-US" dirty="0" err="1"/>
+              <a:t>octomap</a:t>
+            </a:r>
+            <a:r>
+              <a:rPr lang="en-US" dirty="0"/>
+              <a:t> python library: </a:t>
+            </a:r>
+            <a:r>
+              <a:rPr lang="en-US" dirty="0" err="1">
+                <a:hlinkClick r:id="rId4"/>
+              </a:rPr>
+              <a:t>wkentaro</a:t>
+            </a:r>
+            <a:r>
+              <a:rPr lang="en-US" dirty="0">
+                <a:hlinkClick r:id="rId4"/>
+              </a:rPr>
+              <a:t>/</a:t>
+            </a:r>
+            <a:r>
+              <a:rPr lang="en-US" dirty="0" err="1">
+                <a:hlinkClick r:id="rId4"/>
+              </a:rPr>
+              <a:t>octomap</a:t>
+            </a:r>
+            <a:r>
+              <a:rPr lang="en-US" dirty="0">
+                <a:hlinkClick r:id="rId4"/>
+              </a:rPr>
+              <a:t>-python: Python binding of the </a:t>
+            </a:r>
+            <a:r>
+              <a:rPr lang="en-US" dirty="0" err="1">
+                <a:hlinkClick r:id="rId4"/>
+              </a:rPr>
+              <a:t>OctoMap</a:t>
+            </a:r>
+            <a:r>
+              <a:rPr lang="en-US" dirty="0">
+                <a:hlinkClick r:id="rId4"/>
+              </a:rPr>
+              <a:t> library. (github.com)</a:t>
+            </a:r>
+            <a:r>
+              <a:rPr lang="en-US" dirty="0"/>
+              <a:t> or other techniques</a:t>
+            </a:r>
           </a:p>
         </p:txBody>
       </p:sp>
@@ -11594,81 +11726,81 @@
 </file>
 
 <file path=customXml/item1.xml><?xml version="1.0" encoding="utf-8"?>
+<TemplafySlideTemplateConfiguration><![CDATA[{"documentContentValidatorConfiguration":{"enableDocumentContentValidator":false,"documentContentValidatorVersion":0},"elementsMetadata":[],"slideId":"636957681585124447","enableDocumentContentUpdater":true,"version":"1.2"}]]></TemplafySlideTemplateConfiguration>
+</file>
+
+<file path=customXml/item2.xml><?xml version="1.0" encoding="utf-8"?>
 <TemplafySlideFormConfiguration><![CDATA[{"formFields":[],"formDataEntries":[]}]]></TemplafySlideFormConfiguration>
 </file>
 
-<file path=customXml/item2.xml><?xml version="1.0" encoding="utf-8"?>
+<file path=customXml/item3.xml><?xml version="1.0" encoding="utf-8"?>
+<TemplafySlideTemplateConfiguration><![CDATA[{"documentContentValidatorConfiguration":{"enableDocumentContentValidator":false,"documentContentValidatorVersion":0},"elementsMetadata":[],"slideId":"636957681585013765","enableDocumentContentUpdater":true,"version":"1.2"}]]></TemplafySlideTemplateConfiguration>
+</file>
+
+<file path=customXml/item4.xml><?xml version="1.0" encoding="utf-8"?>
+<TemplafySlideFormConfiguration><![CDATA[{"formFields":[],"formDataEntries":[]}]]></TemplafySlideFormConfiguration>
+</file>
+
+<file path=customXml/item5.xml><?xml version="1.0" encoding="utf-8"?>
+<TemplafyTemplateConfiguration><![CDATA[{"elementsMetadata":[{"type":"shape","id":"4677ba61-354d-4365-8b3f-c04251d5c3e5","elementConfiguration":{"binding":"UserProfile.Offices.Workarea_{{DocumentLanguage}}","disableUpdates":false,"type":"text"}},{"type":"shape","id":"b679746d-93d5-4d43-90a4-93ebe9ac3257","elementConfiguration":{"format":"{{DateFormats.GeneralDate}}","binding":"Form.Date","disableUpdates":false,"type":"date"}},{"type":"shape","id":"2b4439ed-ce1f-4eaa-844c-d1e3543b3122","elementConfiguration":{"binding":"Form.PresentationTitle","disableUpdates":false,"type":"text"}}],"transformationConfigurations":[{"language":"{{DocumentLanguage}}","disableUpdates":false,"type":"proofingLanguage"}],"templateName":"DTU Template 16_9 - Navy blue","templateDescription":"","enableDocumentContentUpdater":true,"version":"1.2"}]]></TemplafyTemplateConfiguration>
+</file>
+
+<file path=customXml/item6.xml><?xml version="1.0" encoding="utf-8"?>
+<TemplafyFormConfiguration><![CDATA[{"formFields":[{"required":false,"helpTexts":{"prefix":"","postfix":""},"spacing":{},"type":"datePicker","name":"Date","label":"Date","fullyQualifiedName":"Date"},{"required":false,"placeholder":"","lines":0,"helpTexts":{"prefix":"","postfix":""},"spacing":{},"type":"textBox","name":"PresentationTitle","label":"Presentation title","fullyQualifiedName":"PresentationTitle"}],"formDataEntries":[{"name":"Date","value":"LEYg78CDTsI++dqBQ7gClg=="}]}]]></TemplafyFormConfiguration>
+</file>
+
+<file path=customXml/item7.xml><?xml version="1.0" encoding="utf-8"?>
 <TemplafySlideTemplateConfiguration><![CDATA[{"documentContentValidatorConfiguration":{"enableDocumentContentValidator":false,"documentContentValidatorVersion":0},"elementsMetadata":[],"slideId":"636957681585124447","enableDocumentContentUpdater":true,"version":"1.2"}]]></TemplafySlideTemplateConfiguration>
 </file>
 
-<file path=customXml/item3.xml><?xml version="1.0" encoding="utf-8"?>
-<TemplafySlideTemplateConfiguration><![CDATA[{"documentContentValidatorConfiguration":{"enableDocumentContentValidator":false,"documentContentValidatorVersion":0},"elementsMetadata":[],"slideId":"636957681585124447","enableDocumentContentUpdater":true,"version":"1.2"}]]></TemplafySlideTemplateConfiguration>
-</file>
-
-<file path=customXml/item4.xml><?xml version="1.0" encoding="utf-8"?>
-<TemplafyTemplateConfiguration><![CDATA[{"elementsMetadata":[{"type":"shape","id":"4677ba61-354d-4365-8b3f-c04251d5c3e5","elementConfiguration":{"binding":"UserProfile.Offices.Workarea_{{DocumentLanguage}}","disableUpdates":false,"type":"text"}},{"type":"shape","id":"b679746d-93d5-4d43-90a4-93ebe9ac3257","elementConfiguration":{"format":"{{DateFormats.GeneralDate}}","binding":"Form.Date","disableUpdates":false,"type":"date"}},{"type":"shape","id":"2b4439ed-ce1f-4eaa-844c-d1e3543b3122","elementConfiguration":{"binding":"Form.PresentationTitle","disableUpdates":false,"type":"text"}}],"transformationConfigurations":[{"language":"{{DocumentLanguage}}","disableUpdates":false,"type":"proofingLanguage"}],"templateName":"DTU Template 16_9 - Navy blue","templateDescription":"","enableDocumentContentUpdater":true,"version":"1.2"}]]></TemplafyTemplateConfiguration>
-</file>
-
-<file path=customXml/item5.xml><?xml version="1.0" encoding="utf-8"?>
+<file path=customXml/item8.xml><?xml version="1.0" encoding="utf-8"?>
 <TemplafySlideFormConfiguration><![CDATA[{"formFields":[],"formDataEntries":[]}]]></TemplafySlideFormConfiguration>
 </file>
 
-<file path=customXml/item6.xml><?xml version="1.0" encoding="utf-8"?>
-<TemplafySlideTemplateConfiguration><![CDATA[{"documentContentValidatorConfiguration":{"enableDocumentContentValidator":false,"documentContentValidatorVersion":0},"elementsMetadata":[],"slideId":"636957681585013765","enableDocumentContentUpdater":true,"version":"1.2"}]]></TemplafySlideTemplateConfiguration>
+<file path=customXml/itemProps1.xml><?xml version="1.0" encoding="utf-8"?>
+<ds:datastoreItem xmlns:ds="http://schemas.openxmlformats.org/officeDocument/2006/customXml" ds:itemID="{0BC190A8-4F09-4D6F-BBED-980F99C3B238}">
+  <ds:schemaRefs/>
+</ds:datastoreItem>
 </file>
 
-<file path=customXml/item7.xml><?xml version="1.0" encoding="utf-8"?>
-<TemplafySlideFormConfiguration><![CDATA[{"formFields":[],"formDataEntries":[]}]]></TemplafySlideFormConfiguration>
-</file>
-
-<file path=customXml/item8.xml><?xml version="1.0" encoding="utf-8"?>
-<TemplafyFormConfiguration><![CDATA[{"formFields":[{"required":false,"helpTexts":{"prefix":"","postfix":""},"spacing":{},"type":"datePicker","name":"Date","label":"Date","fullyQualifiedName":"Date"},{"required":false,"placeholder":"","lines":0,"helpTexts":{"prefix":"","postfix":""},"spacing":{},"type":"textBox","name":"PresentationTitle","label":"Presentation title","fullyQualifiedName":"PresentationTitle"}],"formDataEntries":[{"name":"Date","value":"LEYg78CDTsI++dqBQ7gClg=="}]}]]></TemplafyFormConfiguration>
-</file>
-
-<file path=customXml/itemProps1.xml><?xml version="1.0" encoding="utf-8"?>
+<file path=customXml/itemProps2.xml><?xml version="1.0" encoding="utf-8"?>
 <ds:datastoreItem xmlns:ds="http://schemas.openxmlformats.org/officeDocument/2006/customXml" ds:itemID="{7FEA1E6D-AEEC-41D9-9E9A-45BA2EAE1656}">
   <ds:schemaRefs/>
 </ds:datastoreItem>
 </file>
 
-<file path=customXml/itemProps2.xml><?xml version="1.0" encoding="utf-8"?>
-<ds:datastoreItem xmlns:ds="http://schemas.openxmlformats.org/officeDocument/2006/customXml" ds:itemID="{0BC190A8-4F09-4D6F-BBED-980F99C3B238}">
+<file path=customXml/itemProps3.xml><?xml version="1.0" encoding="utf-8"?>
+<ds:datastoreItem xmlns:ds="http://schemas.openxmlformats.org/officeDocument/2006/customXml" ds:itemID="{4D5E1A10-B5E6-482A-9521-846112537EBC}">
   <ds:schemaRefs/>
 </ds:datastoreItem>
 </file>
 
-<file path=customXml/itemProps3.xml><?xml version="1.0" encoding="utf-8"?>
+<file path=customXml/itemProps4.xml><?xml version="1.0" encoding="utf-8"?>
+<ds:datastoreItem xmlns:ds="http://schemas.openxmlformats.org/officeDocument/2006/customXml" ds:itemID="{A99E0396-DE9D-473F-B1CB-768EB622C89A}">
+  <ds:schemaRefs/>
+</ds:datastoreItem>
+</file>
+
+<file path=customXml/itemProps5.xml><?xml version="1.0" encoding="utf-8"?>
+<ds:datastoreItem xmlns:ds="http://schemas.openxmlformats.org/officeDocument/2006/customXml" ds:itemID="{1334258C-C3E7-4029-A615-C886A240FB15}">
+  <ds:schemaRefs/>
+</ds:datastoreItem>
+</file>
+
+<file path=customXml/itemProps6.xml><?xml version="1.0" encoding="utf-8"?>
+<ds:datastoreItem xmlns:ds="http://schemas.openxmlformats.org/officeDocument/2006/customXml" ds:itemID="{5B29B696-7354-412C-9B8E-ED20D22F6B23}">
+  <ds:schemaRefs/>
+</ds:datastoreItem>
+</file>
+
+<file path=customXml/itemProps7.xml><?xml version="1.0" encoding="utf-8"?>
 <ds:datastoreItem xmlns:ds="http://schemas.openxmlformats.org/officeDocument/2006/customXml" ds:itemID="{AD091A09-3CB8-44F3-AFDB-D8A682CADFEC}">
   <ds:schemaRefs/>
 </ds:datastoreItem>
 </file>
 
-<file path=customXml/itemProps4.xml><?xml version="1.0" encoding="utf-8"?>
-<ds:datastoreItem xmlns:ds="http://schemas.openxmlformats.org/officeDocument/2006/customXml" ds:itemID="{1334258C-C3E7-4029-A615-C886A240FB15}">
-  <ds:schemaRefs/>
-</ds:datastoreItem>
-</file>
-
-<file path=customXml/itemProps5.xml><?xml version="1.0" encoding="utf-8"?>
-<ds:datastoreItem xmlns:ds="http://schemas.openxmlformats.org/officeDocument/2006/customXml" ds:itemID="{A99E0396-DE9D-473F-B1CB-768EB622C89A}">
-  <ds:schemaRefs/>
-</ds:datastoreItem>
-</file>
-
-<file path=customXml/itemProps6.xml><?xml version="1.0" encoding="utf-8"?>
-<ds:datastoreItem xmlns:ds="http://schemas.openxmlformats.org/officeDocument/2006/customXml" ds:itemID="{4D5E1A10-B5E6-482A-9521-846112537EBC}">
-  <ds:schemaRefs/>
-</ds:datastoreItem>
-</file>
-
-<file path=customXml/itemProps7.xml><?xml version="1.0" encoding="utf-8"?>
+<file path=customXml/itemProps8.xml><?xml version="1.0" encoding="utf-8"?>
 <ds:datastoreItem xmlns:ds="http://schemas.openxmlformats.org/officeDocument/2006/customXml" ds:itemID="{BCE4F6AA-590D-471F-8869-D7C9C388B21F}">
   <ds:schemaRefs/>
 </ds:datastoreItem>
-</file>
-
-<file path=customXml/itemProps8.xml><?xml version="1.0" encoding="utf-8"?>
-<ds:datastoreItem xmlns:ds="http://schemas.openxmlformats.org/officeDocument/2006/customXml" ds:itemID="{5B29B696-7354-412C-9B8E-ED20D22F6B23}">
-  <ds:schemaRefs/>
-</ds:datastoreItem>
 </file>